--- a/2021_PY_Slide.pptx
+++ b/2021_PY_Slide.pptx
@@ -5,7 +5,7 @@
     <p:sldMasterId id="2147483648" r:id="rId1"/>
   </p:sldMasterIdLst>
   <p:notesMasterIdLst>
-    <p:notesMasterId r:id="rId17"/>
+    <p:notesMasterId r:id="rId23"/>
   </p:notesMasterIdLst>
   <p:sldIdLst>
     <p:sldId id="256" r:id="rId2"/>
@@ -20,9 +20,15 @@
     <p:sldId id="264" r:id="rId11"/>
     <p:sldId id="270" r:id="rId12"/>
     <p:sldId id="269" r:id="rId13"/>
-    <p:sldId id="267" r:id="rId14"/>
-    <p:sldId id="268" r:id="rId15"/>
-    <p:sldId id="260" r:id="rId16"/>
+    <p:sldId id="271" r:id="rId14"/>
+    <p:sldId id="272" r:id="rId15"/>
+    <p:sldId id="273" r:id="rId16"/>
+    <p:sldId id="274" r:id="rId17"/>
+    <p:sldId id="275" r:id="rId18"/>
+    <p:sldId id="276" r:id="rId19"/>
+    <p:sldId id="277" r:id="rId20"/>
+    <p:sldId id="278" r:id="rId21"/>
+    <p:sldId id="279" r:id="rId22"/>
   </p:sldIdLst>
   <p:sldSz cx="9144000" cy="5143500" type="screen16x9"/>
   <p:notesSz cx="6858000" cy="9144000"/>
@@ -222,7 +228,7 @@
           <a:p>
             <a:fld id="{C8D18E60-4300-4729-A0D7-6AB984C3922D}" type="datetimeFigureOut">
               <a:rPr lang="en-US" smtClean="0"/>
-              <a:t>12/04/2021</a:t>
+              <a:t>13/04/2021</a:t>
             </a:fld>
             <a:endParaRPr lang="en-US"/>
           </a:p>
@@ -533,7 +539,7 @@
           <a:bodyPr/>
           <a:lstStyle/>
           <a:p>
-            <a:endParaRPr lang="en-US"/>
+            <a:endParaRPr lang="en-US" dirty="0"/>
           </a:p>
         </p:txBody>
       </p:sp>
@@ -544,7 +550,7 @@
             <a:spLocks noGrp="1"/>
           </p:cNvSpPr>
           <p:nvPr>
-            <p:ph type="sldNum" sz="quarter" idx="10"/>
+            <p:ph type="sldNum" sz="quarter" idx="5"/>
           </p:nvPr>
         </p:nvSpPr>
         <p:spPr/>
@@ -552,9 +558,9 @@
           <a:bodyPr/>
           <a:lstStyle/>
           <a:p>
-            <a:fld id="{87350B06-B074-48FC-8CFD-53D2CD8FB95F}" type="slidenum">
+            <a:fld id="{AF533E96-F078-4B3D-A8F4-F1AF21EBC357}" type="slidenum">
               <a:rPr lang="en-US" smtClean="0"/>
-              <a:t>15</a:t>
+              <a:t>1</a:t>
             </a:fld>
             <a:endParaRPr lang="en-US"/>
           </a:p>
@@ -563,7 +569,7 @@
     </p:spTree>
     <p:extLst>
       <p:ext uri="{BB962C8B-B14F-4D97-AF65-F5344CB8AC3E}">
-        <p14:creationId xmlns:p14="http://schemas.microsoft.com/office/powerpoint/2010/main" val="1284596819"/>
+        <p14:creationId xmlns:p14="http://schemas.microsoft.com/office/powerpoint/2010/main" val="2586653778"/>
       </p:ext>
     </p:extLst>
   </p:cSld>
@@ -788,7 +794,7 @@
             <a:fld id="{53074F12-AA26-4AC8-9962-C36BB8F32554}" type="datetimeFigureOut">
               <a:rPr lang="en-US" smtClean="0"/>
               <a:pPr/>
-              <a:t>12/04/2021</a:t>
+              <a:t>13/04/2021</a:t>
             </a:fld>
             <a:endParaRPr lang="en-US"/>
           </a:p>
@@ -1042,7 +1048,7 @@
             <a:fld id="{53074F12-AA26-4AC8-9962-C36BB8F32554}" type="datetimeFigureOut">
               <a:rPr lang="en-US" smtClean="0"/>
               <a:pPr/>
-              <a:t>12/04/2021</a:t>
+              <a:t>13/04/2021</a:t>
             </a:fld>
             <a:endParaRPr lang="en-US"/>
           </a:p>
@@ -1212,7 +1218,7 @@
             <a:fld id="{53074F12-AA26-4AC8-9962-C36BB8F32554}" type="datetimeFigureOut">
               <a:rPr lang="en-US" smtClean="0"/>
               <a:pPr/>
-              <a:t>12/04/2021</a:t>
+              <a:t>13/04/2021</a:t>
             </a:fld>
             <a:endParaRPr lang="en-US"/>
           </a:p>
@@ -1392,7 +1398,7 @@
             <a:fld id="{53074F12-AA26-4AC8-9962-C36BB8F32554}" type="datetimeFigureOut">
               <a:rPr lang="en-US" smtClean="0"/>
               <a:pPr/>
-              <a:t>12/04/2021</a:t>
+              <a:t>13/04/2021</a:t>
             </a:fld>
             <a:endParaRPr lang="en-US"/>
           </a:p>
@@ -1677,7 +1683,7 @@
             <a:fld id="{53074F12-AA26-4AC8-9962-C36BB8F32554}" type="datetimeFigureOut">
               <a:rPr lang="en-US" smtClean="0"/>
               <a:pPr/>
-              <a:t>12/04/2021</a:t>
+              <a:t>13/04/2021</a:t>
             </a:fld>
             <a:endParaRPr lang="en-US"/>
           </a:p>
@@ -1924,7 +1930,7 @@
             <a:fld id="{53074F12-AA26-4AC8-9962-C36BB8F32554}" type="datetimeFigureOut">
               <a:rPr lang="en-US" smtClean="0"/>
               <a:pPr/>
-              <a:t>12/04/2021</a:t>
+              <a:t>13/04/2021</a:t>
             </a:fld>
             <a:endParaRPr lang="en-US"/>
           </a:p>
@@ -2171,7 +2177,7 @@
             <a:fld id="{53074F12-AA26-4AC8-9962-C36BB8F32554}" type="datetimeFigureOut">
               <a:rPr lang="en-US" smtClean="0"/>
               <a:pPr/>
-              <a:t>12/04/2021</a:t>
+              <a:t>13/04/2021</a:t>
             </a:fld>
             <a:endParaRPr lang="en-US"/>
           </a:p>
@@ -2458,7 +2464,7 @@
             <a:fld id="{53074F12-AA26-4AC8-9962-C36BB8F32554}" type="datetimeFigureOut">
               <a:rPr lang="en-US" smtClean="0"/>
               <a:pPr/>
-              <a:t>12/04/2021</a:t>
+              <a:t>13/04/2021</a:t>
             </a:fld>
             <a:endParaRPr lang="en-US"/>
           </a:p>
@@ -2948,7 +2954,7 @@
             <a:fld id="{53074F12-AA26-4AC8-9962-C36BB8F32554}" type="datetimeFigureOut">
               <a:rPr lang="en-US" smtClean="0"/>
               <a:pPr/>
-              <a:t>12/04/2021</a:t>
+              <a:t>13/04/2021</a:t>
             </a:fld>
             <a:endParaRPr lang="en-US"/>
           </a:p>
@@ -3067,7 +3073,7 @@
             <a:fld id="{53074F12-AA26-4AC8-9962-C36BB8F32554}" type="datetimeFigureOut">
               <a:rPr lang="en-US" smtClean="0"/>
               <a:pPr/>
-              <a:t>12/04/2021</a:t>
+              <a:t>13/04/2021</a:t>
             </a:fld>
             <a:endParaRPr lang="en-US"/>
           </a:p>
@@ -3164,7 +3170,7 @@
             <a:fld id="{53074F12-AA26-4AC8-9962-C36BB8F32554}" type="datetimeFigureOut">
               <a:rPr lang="en-US" smtClean="0"/>
               <a:pPr/>
-              <a:t>12/04/2021</a:t>
+              <a:t>13/04/2021</a:t>
             </a:fld>
             <a:endParaRPr lang="en-US"/>
           </a:p>
@@ -3441,7 +3447,7 @@
             <a:fld id="{53074F12-AA26-4AC8-9962-C36BB8F32554}" type="datetimeFigureOut">
               <a:rPr lang="en-US" smtClean="0"/>
               <a:pPr/>
-              <a:t>12/04/2021</a:t>
+              <a:t>13/04/2021</a:t>
             </a:fld>
             <a:endParaRPr lang="en-US"/>
           </a:p>
@@ -3663,7 +3669,7 @@
             <a:fld id="{53074F12-AA26-4AC8-9962-C36BB8F32554}" type="datetimeFigureOut">
               <a:rPr lang="en-US" smtClean="0"/>
               <a:pPr/>
-              <a:t>12/04/2021</a:t>
+              <a:t>13/04/2021</a:t>
             </a:fld>
             <a:endParaRPr lang="en-US"/>
           </a:p>
@@ -3745,59 +3751,6 @@
               <a:t>‹#›</a:t>
             </a:fld>
             <a:endParaRPr lang="en-US"/>
-          </a:p>
-        </p:txBody>
-      </p:sp>
-      <p:sp>
-        <p:nvSpPr>
-          <p:cNvPr id="7" name="TextBox 6">
-            <a:extLst>
-              <a:ext uri="{FF2B5EF4-FFF2-40B4-BE49-F238E27FC236}">
-                <a16:creationId xmlns:a16="http://schemas.microsoft.com/office/drawing/2014/main" id="{11E867DF-3DCA-4725-94F0-F2B6BD747A82}"/>
-              </a:ext>
-            </a:extLst>
-          </p:cNvPr>
-          <p:cNvSpPr txBox="1"/>
-          <p:nvPr userDrawn="1"/>
-        </p:nvSpPr>
-        <p:spPr>
-          <a:xfrm>
-            <a:off x="-9150" y="5213747"/>
-            <a:ext cx="8389625" cy="523220"/>
-          </a:xfrm>
-          <a:prstGeom prst="rect">
-            <a:avLst/>
-          </a:prstGeom>
-          <a:noFill/>
-        </p:spPr>
-        <p:txBody>
-          <a:bodyPr wrap="square" rtlCol="0">
-            <a:spAutoFit/>
-          </a:bodyPr>
-          <a:lstStyle/>
-          <a:p>
-            <a:r>
-              <a:rPr lang="en-US" sz="1400" dirty="0">
-                <a:solidFill>
-                  <a:schemeClr val="bg1">
-                    <a:lumMod val="65000"/>
-                  </a:schemeClr>
-                </a:solidFill>
-              </a:rPr>
-              <a:t>This presentation uses a free template provided by FPPT.com</a:t>
-            </a:r>
-          </a:p>
-          <a:p>
-            <a:r>
-              <a:rPr lang="en-US" sz="1400" dirty="0">
-                <a:solidFill>
-                  <a:schemeClr val="bg1">
-                    <a:lumMod val="65000"/>
-                  </a:schemeClr>
-                </a:solidFill>
-              </a:rPr>
-              <a:t>www.free-power-point-templates.com</a:t>
-            </a:r>
           </a:p>
         </p:txBody>
       </p:sp>
@@ -4299,51 +4252,103 @@
           <a:p>
             <a:r>
               <a:rPr lang="en-US" dirty="0"/>
-              <a:t>Slide Title</a:t>
-            </a:r>
-          </a:p>
-        </p:txBody>
-      </p:sp>
-      <p:sp>
-        <p:nvSpPr>
-          <p:cNvPr id="5" name="Content Placeholder 4"/>
-          <p:cNvSpPr>
-            <a:spLocks noGrp="1"/>
-          </p:cNvSpPr>
+              <a:t>Implement Properties in a class</a:t>
+            </a:r>
+          </a:p>
+        </p:txBody>
+      </p:sp>
+      <p:pic>
+        <p:nvPicPr>
+          <p:cNvPr id="2" name="Content Placeholder 1">
+            <a:extLst>
+              <a:ext uri="{FF2B5EF4-FFF2-40B4-BE49-F238E27FC236}">
+                <a16:creationId xmlns:a16="http://schemas.microsoft.com/office/drawing/2014/main" id="{9F3DA6FC-2B64-4AC6-9EC7-07EC6AF077A4}"/>
+              </a:ext>
+            </a:extLst>
+          </p:cNvPr>
+          <p:cNvPicPr>
+            <a:picLocks noGrp="1" noChangeAspect="1"/>
+          </p:cNvPicPr>
           <p:nvPr>
             <p:ph idx="1"/>
           </p:nvPr>
-        </p:nvSpPr>
-        <p:spPr/>
-        <p:txBody>
-          <a:bodyPr/>
-          <a:lstStyle/>
-          <a:p>
-            <a:r>
-              <a:rPr lang="en-US" dirty="0"/>
-              <a:t>Make Effective Presentations</a:t>
-            </a:r>
-          </a:p>
-          <a:p>
-            <a:r>
-              <a:rPr lang="en-US" dirty="0"/>
-              <a:t>Using Awesome Backgrounds</a:t>
-            </a:r>
-          </a:p>
-          <a:p>
-            <a:r>
-              <a:rPr lang="en-US" dirty="0"/>
-              <a:t>Engage your Audience</a:t>
-            </a:r>
-          </a:p>
-          <a:p>
-            <a:r>
-              <a:rPr lang="en-US" dirty="0"/>
-              <a:t>Capture Audience Attention</a:t>
-            </a:r>
-          </a:p>
-        </p:txBody>
-      </p:sp>
+        </p:nvPicPr>
+        <p:blipFill>
+          <a:blip r:embed="rId2"/>
+          <a:stretch>
+            <a:fillRect/>
+          </a:stretch>
+        </p:blipFill>
+        <p:spPr>
+          <a:xfrm>
+            <a:off x="1829778" y="1300625"/>
+            <a:ext cx="2524125" cy="2705100"/>
+          </a:xfrm>
+          <a:prstGeom prst="rect">
+            <a:avLst/>
+          </a:prstGeom>
+        </p:spPr>
+      </p:pic>
+      <p:pic>
+        <p:nvPicPr>
+          <p:cNvPr id="3" name="Picture 2">
+            <a:extLst>
+              <a:ext uri="{FF2B5EF4-FFF2-40B4-BE49-F238E27FC236}">
+                <a16:creationId xmlns:a16="http://schemas.microsoft.com/office/drawing/2014/main" id="{103D23B8-841A-4406-A053-78F0CC93B2D2}"/>
+              </a:ext>
+            </a:extLst>
+          </p:cNvPr>
+          <p:cNvPicPr>
+            <a:picLocks noChangeAspect="1"/>
+          </p:cNvPicPr>
+          <p:nvPr/>
+        </p:nvPicPr>
+        <p:blipFill>
+          <a:blip r:embed="rId3"/>
+          <a:stretch>
+            <a:fillRect/>
+          </a:stretch>
+        </p:blipFill>
+        <p:spPr>
+          <a:xfrm>
+            <a:off x="4453270" y="1304925"/>
+            <a:ext cx="4419600" cy="1266825"/>
+          </a:xfrm>
+          <a:prstGeom prst="rect">
+            <a:avLst/>
+          </a:prstGeom>
+        </p:spPr>
+      </p:pic>
+      <p:pic>
+        <p:nvPicPr>
+          <p:cNvPr id="6" name="Picture 5">
+            <a:extLst>
+              <a:ext uri="{FF2B5EF4-FFF2-40B4-BE49-F238E27FC236}">
+                <a16:creationId xmlns:a16="http://schemas.microsoft.com/office/drawing/2014/main" id="{317F1142-ABD4-4F5A-9BFF-627B3E3EFDCD}"/>
+              </a:ext>
+            </a:extLst>
+          </p:cNvPr>
+          <p:cNvPicPr>
+            <a:picLocks noChangeAspect="1"/>
+          </p:cNvPicPr>
+          <p:nvPr/>
+        </p:nvPicPr>
+        <p:blipFill>
+          <a:blip r:embed="rId4"/>
+          <a:stretch>
+            <a:fillRect/>
+          </a:stretch>
+        </p:blipFill>
+        <p:spPr>
+          <a:xfrm>
+            <a:off x="4453271" y="2744789"/>
+            <a:ext cx="4419600" cy="1304925"/>
+          </a:xfrm>
+          <a:prstGeom prst="rect">
+            <a:avLst/>
+          </a:prstGeom>
+        </p:spPr>
+      </p:pic>
     </p:spTree>
     <p:extLst>
       <p:ext uri="{BB962C8B-B14F-4D97-AF65-F5344CB8AC3E}">
@@ -4393,51 +4398,73 @@
           <a:p>
             <a:r>
               <a:rPr lang="en-US" dirty="0"/>
-              <a:t>Slide Title</a:t>
-            </a:r>
-          </a:p>
-        </p:txBody>
-      </p:sp>
-      <p:sp>
-        <p:nvSpPr>
-          <p:cNvPr id="5" name="Content Placeholder 4"/>
-          <p:cNvSpPr>
-            <a:spLocks noGrp="1"/>
-          </p:cNvSpPr>
+              <a:t>Class and Instance Variables</a:t>
+            </a:r>
+          </a:p>
+        </p:txBody>
+      </p:sp>
+      <p:pic>
+        <p:nvPicPr>
+          <p:cNvPr id="2" name="Content Placeholder 1">
+            <a:extLst>
+              <a:ext uri="{FF2B5EF4-FFF2-40B4-BE49-F238E27FC236}">
+                <a16:creationId xmlns:a16="http://schemas.microsoft.com/office/drawing/2014/main" id="{058952C0-8662-4CE5-B367-13C5A57C3999}"/>
+              </a:ext>
+            </a:extLst>
+          </p:cNvPr>
+          <p:cNvPicPr>
+            <a:picLocks noGrp="1" noChangeAspect="1"/>
+          </p:cNvPicPr>
           <p:nvPr>
             <p:ph idx="1"/>
           </p:nvPr>
-        </p:nvSpPr>
-        <p:spPr/>
-        <p:txBody>
-          <a:bodyPr/>
-          <a:lstStyle/>
-          <a:p>
-            <a:r>
-              <a:rPr lang="en-US" dirty="0"/>
-              <a:t>Make Effective Presentations</a:t>
-            </a:r>
-          </a:p>
-          <a:p>
-            <a:r>
-              <a:rPr lang="en-US" dirty="0"/>
-              <a:t>Using Awesome Backgrounds</a:t>
-            </a:r>
-          </a:p>
-          <a:p>
-            <a:r>
-              <a:rPr lang="en-US" dirty="0"/>
-              <a:t>Engage your Audience</a:t>
-            </a:r>
-          </a:p>
-          <a:p>
-            <a:r>
-              <a:rPr lang="en-US" dirty="0"/>
-              <a:t>Capture Audience Attention</a:t>
-            </a:r>
-          </a:p>
-        </p:txBody>
-      </p:sp>
+        </p:nvPicPr>
+        <p:blipFill>
+          <a:blip r:embed="rId2"/>
+          <a:stretch>
+            <a:fillRect/>
+          </a:stretch>
+        </p:blipFill>
+        <p:spPr>
+          <a:xfrm>
+            <a:off x="1878067" y="1359325"/>
+            <a:ext cx="4695825" cy="2800350"/>
+          </a:xfrm>
+          <a:prstGeom prst="rect">
+            <a:avLst/>
+          </a:prstGeom>
+        </p:spPr>
+      </p:pic>
+      <p:pic>
+        <p:nvPicPr>
+          <p:cNvPr id="3" name="Picture 2">
+            <a:extLst>
+              <a:ext uri="{FF2B5EF4-FFF2-40B4-BE49-F238E27FC236}">
+                <a16:creationId xmlns:a16="http://schemas.microsoft.com/office/drawing/2014/main" id="{8F50A9D2-E70F-4F66-B1A6-446595964D78}"/>
+              </a:ext>
+            </a:extLst>
+          </p:cNvPr>
+          <p:cNvPicPr>
+            <a:picLocks noChangeAspect="1"/>
+          </p:cNvPicPr>
+          <p:nvPr/>
+        </p:nvPicPr>
+        <p:blipFill>
+          <a:blip r:embed="rId3"/>
+          <a:stretch>
+            <a:fillRect/>
+          </a:stretch>
+        </p:blipFill>
+        <p:spPr>
+          <a:xfrm>
+            <a:off x="6699841" y="1359325"/>
+            <a:ext cx="2095500" cy="1476375"/>
+          </a:xfrm>
+          <a:prstGeom prst="rect">
+            <a:avLst/>
+          </a:prstGeom>
+        </p:spPr>
+      </p:pic>
     </p:spTree>
     <p:extLst>
       <p:ext uri="{BB962C8B-B14F-4D97-AF65-F5344CB8AC3E}">
@@ -4487,129 +4514,47 @@
           <a:p>
             <a:r>
               <a:rPr lang="en-US" dirty="0"/>
-              <a:t>Slide Title</a:t>
-            </a:r>
-          </a:p>
-        </p:txBody>
-      </p:sp>
-      <p:sp>
-        <p:nvSpPr>
-          <p:cNvPr id="5" name="Text Placeholder 4"/>
-          <p:cNvSpPr>
-            <a:spLocks noGrp="1"/>
-          </p:cNvSpPr>
-          <p:nvPr>
-            <p:ph type="body" idx="1"/>
-          </p:nvPr>
-        </p:nvSpPr>
-        <p:spPr/>
-        <p:txBody>
-          <a:bodyPr/>
-          <a:lstStyle/>
-          <a:p>
-            <a:r>
-              <a:rPr lang="en-US"/>
-              <a:t>Product A</a:t>
-            </a:r>
-            <a:endParaRPr lang="en-US" dirty="0"/>
-          </a:p>
-        </p:txBody>
-      </p:sp>
-      <p:sp>
-        <p:nvSpPr>
-          <p:cNvPr id="6" name="Content Placeholder 5"/>
-          <p:cNvSpPr>
-            <a:spLocks noGrp="1"/>
-          </p:cNvSpPr>
-          <p:nvPr>
-            <p:ph sz="half" idx="2"/>
-          </p:nvPr>
-        </p:nvSpPr>
-        <p:spPr/>
-        <p:txBody>
-          <a:bodyPr/>
-          <a:lstStyle/>
-          <a:p>
-            <a:r>
-              <a:rPr lang="en-US"/>
-              <a:t>Feature 1</a:t>
-            </a:r>
-          </a:p>
-          <a:p>
-            <a:r>
-              <a:rPr lang="en-US"/>
-              <a:t>Feature 2</a:t>
-            </a:r>
-          </a:p>
-          <a:p>
-            <a:r>
-              <a:rPr lang="en-US"/>
-              <a:t>Feature 3</a:t>
-            </a:r>
-            <a:endParaRPr lang="en-US" dirty="0"/>
-          </a:p>
-        </p:txBody>
-      </p:sp>
-      <p:sp>
-        <p:nvSpPr>
-          <p:cNvPr id="7" name="Text Placeholder 6"/>
-          <p:cNvSpPr>
-            <a:spLocks noGrp="1"/>
-          </p:cNvSpPr>
-          <p:nvPr>
-            <p:ph type="body" sz="quarter" idx="3"/>
-          </p:nvPr>
-        </p:nvSpPr>
-        <p:spPr/>
-        <p:txBody>
-          <a:bodyPr/>
-          <a:lstStyle/>
-          <a:p>
-            <a:r>
-              <a:rPr lang="en-US"/>
-              <a:t>Product B</a:t>
-            </a:r>
-          </a:p>
-        </p:txBody>
-      </p:sp>
-      <p:sp>
-        <p:nvSpPr>
-          <p:cNvPr id="8" name="Content Placeholder 7"/>
-          <p:cNvSpPr>
-            <a:spLocks noGrp="1"/>
-          </p:cNvSpPr>
-          <p:nvPr>
-            <p:ph sz="quarter" idx="4"/>
-          </p:nvPr>
-        </p:nvSpPr>
-        <p:spPr/>
-        <p:txBody>
-          <a:bodyPr/>
-          <a:lstStyle/>
-          <a:p>
-            <a:r>
-              <a:rPr lang="en-US"/>
-              <a:t>Feature 1</a:t>
-            </a:r>
-          </a:p>
-          <a:p>
-            <a:r>
-              <a:rPr lang="en-US"/>
-              <a:t>Feature 2</a:t>
-            </a:r>
-          </a:p>
-          <a:p>
-            <a:r>
-              <a:rPr lang="en-US"/>
-              <a:t>Feature 3</a:t>
-            </a:r>
-          </a:p>
-        </p:txBody>
-      </p:sp>
+              <a:t>Method in a Python Class</a:t>
+            </a:r>
+          </a:p>
+        </p:txBody>
+      </p:sp>
+      <p:pic>
+        <p:nvPicPr>
+          <p:cNvPr id="2" name="Content Placeholder 1">
+            <a:extLst>
+              <a:ext uri="{FF2B5EF4-FFF2-40B4-BE49-F238E27FC236}">
+                <a16:creationId xmlns:a16="http://schemas.microsoft.com/office/drawing/2014/main" id="{8C788C8B-EF2C-4E61-BB21-2300A6676DFE}"/>
+              </a:ext>
+            </a:extLst>
+          </p:cNvPr>
+          <p:cNvPicPr>
+            <a:picLocks noGrp="1" noChangeAspect="1"/>
+          </p:cNvPicPr>
+          <p:nvPr>
+            <p:ph idx="1"/>
+          </p:nvPr>
+        </p:nvPicPr>
+        <p:blipFill>
+          <a:blip r:embed="rId2"/>
+          <a:stretch>
+            <a:fillRect/>
+          </a:stretch>
+        </p:blipFill>
+        <p:spPr>
+          <a:xfrm>
+            <a:off x="2923381" y="1396206"/>
+            <a:ext cx="4448175" cy="3038475"/>
+          </a:xfrm>
+          <a:prstGeom prst="rect">
+            <a:avLst/>
+          </a:prstGeom>
+        </p:spPr>
+      </p:pic>
     </p:spTree>
     <p:extLst>
       <p:ext uri="{BB962C8B-B14F-4D97-AF65-F5344CB8AC3E}">
-        <p14:creationId xmlns:p14="http://schemas.microsoft.com/office/powerpoint/2010/main" val="2673502782"/>
+        <p14:creationId xmlns:p14="http://schemas.microsoft.com/office/powerpoint/2010/main" val="438535198"/>
       </p:ext>
     </p:extLst>
   </p:cSld>
@@ -4655,129 +4600,77 @@
           <a:p>
             <a:r>
               <a:rPr lang="en-US" dirty="0"/>
-              <a:t>Slide Title</a:t>
-            </a:r>
-          </a:p>
-        </p:txBody>
-      </p:sp>
-      <p:sp>
-        <p:nvSpPr>
-          <p:cNvPr id="5" name="Text Placeholder 4"/>
-          <p:cNvSpPr>
-            <a:spLocks noGrp="1"/>
-          </p:cNvSpPr>
-          <p:nvPr>
-            <p:ph type="body" idx="1"/>
-          </p:nvPr>
-        </p:nvSpPr>
-        <p:spPr/>
-        <p:txBody>
-          <a:bodyPr/>
-          <a:lstStyle/>
-          <a:p>
-            <a:r>
-              <a:rPr lang="en-US"/>
-              <a:t>Product A</a:t>
-            </a:r>
-            <a:endParaRPr lang="en-US" dirty="0"/>
-          </a:p>
-        </p:txBody>
-      </p:sp>
-      <p:sp>
-        <p:nvSpPr>
-          <p:cNvPr id="6" name="Content Placeholder 5"/>
-          <p:cNvSpPr>
-            <a:spLocks noGrp="1"/>
-          </p:cNvSpPr>
-          <p:nvPr>
-            <p:ph sz="half" idx="2"/>
-          </p:nvPr>
-        </p:nvSpPr>
-        <p:spPr/>
-        <p:txBody>
-          <a:bodyPr/>
-          <a:lstStyle/>
-          <a:p>
-            <a:r>
-              <a:rPr lang="en-US"/>
-              <a:t>Feature 1</a:t>
-            </a:r>
-          </a:p>
-          <a:p>
-            <a:r>
-              <a:rPr lang="en-US"/>
-              <a:t>Feature 2</a:t>
-            </a:r>
-          </a:p>
-          <a:p>
-            <a:r>
-              <a:rPr lang="en-US"/>
-              <a:t>Feature 3</a:t>
-            </a:r>
-            <a:endParaRPr lang="en-US" dirty="0"/>
-          </a:p>
-        </p:txBody>
-      </p:sp>
-      <p:sp>
-        <p:nvSpPr>
-          <p:cNvPr id="7" name="Text Placeholder 6"/>
-          <p:cNvSpPr>
-            <a:spLocks noGrp="1"/>
-          </p:cNvSpPr>
-          <p:nvPr>
-            <p:ph type="body" sz="quarter" idx="3"/>
-          </p:nvPr>
-        </p:nvSpPr>
-        <p:spPr/>
-        <p:txBody>
-          <a:bodyPr/>
-          <a:lstStyle/>
-          <a:p>
-            <a:r>
-              <a:rPr lang="en-US"/>
-              <a:t>Product B</a:t>
-            </a:r>
-          </a:p>
-        </p:txBody>
-      </p:sp>
-      <p:sp>
-        <p:nvSpPr>
-          <p:cNvPr id="8" name="Content Placeholder 7"/>
-          <p:cNvSpPr>
-            <a:spLocks noGrp="1"/>
-          </p:cNvSpPr>
-          <p:nvPr>
-            <p:ph sz="quarter" idx="4"/>
-          </p:nvPr>
-        </p:nvSpPr>
-        <p:spPr/>
-        <p:txBody>
-          <a:bodyPr/>
-          <a:lstStyle/>
-          <a:p>
-            <a:r>
-              <a:rPr lang="en-US"/>
-              <a:t>Feature 1</a:t>
-            </a:r>
-          </a:p>
-          <a:p>
-            <a:r>
-              <a:rPr lang="en-US"/>
-              <a:t>Feature 2</a:t>
-            </a:r>
-          </a:p>
-          <a:p>
-            <a:r>
-              <a:rPr lang="en-US"/>
-              <a:t>Feature 3</a:t>
-            </a:r>
-          </a:p>
-        </p:txBody>
-      </p:sp>
+              <a:t>Class methods</a:t>
+            </a:r>
+          </a:p>
+        </p:txBody>
+      </p:sp>
+      <p:pic>
+        <p:nvPicPr>
+          <p:cNvPr id="2" name="Content Placeholder 1">
+            <a:extLst>
+              <a:ext uri="{FF2B5EF4-FFF2-40B4-BE49-F238E27FC236}">
+                <a16:creationId xmlns:a16="http://schemas.microsoft.com/office/drawing/2014/main" id="{7A77E8BF-A279-4A15-A156-826535AE9CBE}"/>
+              </a:ext>
+            </a:extLst>
+          </p:cNvPr>
+          <p:cNvPicPr>
+            <a:picLocks noGrp="1" noChangeAspect="1"/>
+          </p:cNvPicPr>
+          <p:nvPr>
+            <p:ph idx="1"/>
+          </p:nvPr>
+        </p:nvPicPr>
+        <p:blipFill>
+          <a:blip r:embed="rId2"/>
+          <a:stretch>
+            <a:fillRect/>
+          </a:stretch>
+        </p:blipFill>
+        <p:spPr>
+          <a:xfrm>
+            <a:off x="1734344" y="1783519"/>
+            <a:ext cx="4686300" cy="2476500"/>
+          </a:xfrm>
+          <a:prstGeom prst="rect">
+            <a:avLst/>
+          </a:prstGeom>
+        </p:spPr>
+      </p:pic>
+      <p:pic>
+        <p:nvPicPr>
+          <p:cNvPr id="3" name="Picture 2">
+            <a:extLst>
+              <a:ext uri="{FF2B5EF4-FFF2-40B4-BE49-F238E27FC236}">
+                <a16:creationId xmlns:a16="http://schemas.microsoft.com/office/drawing/2014/main" id="{C68CF34C-5FAB-44B9-880B-F505AA0AF794}"/>
+              </a:ext>
+            </a:extLst>
+          </p:cNvPr>
+          <p:cNvPicPr>
+            <a:picLocks noChangeAspect="1"/>
+          </p:cNvPicPr>
+          <p:nvPr/>
+        </p:nvPicPr>
+        <p:blipFill>
+          <a:blip r:embed="rId3"/>
+          <a:stretch>
+            <a:fillRect/>
+          </a:stretch>
+        </p:blipFill>
+        <p:spPr>
+          <a:xfrm>
+            <a:off x="6638131" y="1783519"/>
+            <a:ext cx="1543050" cy="923925"/>
+          </a:xfrm>
+          <a:prstGeom prst="rect">
+            <a:avLst/>
+          </a:prstGeom>
+        </p:spPr>
+      </p:pic>
     </p:spTree>
     <p:extLst>
       <p:ext uri="{BB962C8B-B14F-4D97-AF65-F5344CB8AC3E}">
-        <p14:creationId xmlns:p14="http://schemas.microsoft.com/office/powerpoint/2010/main" val="2552395415"/>
+        <p14:creationId xmlns:p14="http://schemas.microsoft.com/office/powerpoint/2010/main" val="778103297"/>
       </p:ext>
     </p:extLst>
   </p:cSld>
@@ -4804,53 +4697,544 @@
           <a:chExt cx="0" cy="0"/>
         </a:xfrm>
       </p:grpSpPr>
+      <p:sp>
+        <p:nvSpPr>
+          <p:cNvPr id="4" name="Title 3"/>
+          <p:cNvSpPr>
+            <a:spLocks noGrp="1"/>
+          </p:cNvSpPr>
+          <p:nvPr>
+            <p:ph type="title"/>
+          </p:nvPr>
+        </p:nvSpPr>
+        <p:spPr/>
+        <p:txBody>
+          <a:bodyPr>
+            <a:normAutofit/>
+          </a:bodyPr>
+          <a:lstStyle/>
+          <a:p>
+            <a:r>
+              <a:rPr lang="en-US" dirty="0"/>
+              <a:t>Static methods</a:t>
+            </a:r>
+          </a:p>
+        </p:txBody>
+      </p:sp>
       <p:pic>
         <p:nvPicPr>
-          <p:cNvPr id="3" name="Picture 2" descr="E:\websites\free-power-point-templates\2012\logos.png"/>
+          <p:cNvPr id="2" name="Content Placeholder 1">
+            <a:extLst>
+              <a:ext uri="{FF2B5EF4-FFF2-40B4-BE49-F238E27FC236}">
+                <a16:creationId xmlns:a16="http://schemas.microsoft.com/office/drawing/2014/main" id="{1AE2EA02-1EC3-411C-A15E-3FB4C09572C6}"/>
+              </a:ext>
+            </a:extLst>
+          </p:cNvPr>
           <p:cNvPicPr>
-            <a:picLocks noChangeAspect="1" noChangeArrowheads="1"/>
+            <a:picLocks noGrp="1" noChangeAspect="1"/>
+          </p:cNvPicPr>
+          <p:nvPr>
+            <p:ph idx="1"/>
+          </p:nvPr>
+        </p:nvPicPr>
+        <p:blipFill>
+          <a:blip r:embed="rId2"/>
+          <a:stretch>
+            <a:fillRect/>
+          </a:stretch>
+        </p:blipFill>
+        <p:spPr>
+          <a:xfrm>
+            <a:off x="1734344" y="1475064"/>
+            <a:ext cx="4591050" cy="2809875"/>
+          </a:xfrm>
+          <a:prstGeom prst="rect">
+            <a:avLst/>
+          </a:prstGeom>
+        </p:spPr>
+      </p:pic>
+      <p:pic>
+        <p:nvPicPr>
+          <p:cNvPr id="3" name="Picture 2">
+            <a:extLst>
+              <a:ext uri="{FF2B5EF4-FFF2-40B4-BE49-F238E27FC236}">
+                <a16:creationId xmlns:a16="http://schemas.microsoft.com/office/drawing/2014/main" id="{327C2ED1-584F-4494-94EB-A672F65A3695}"/>
+              </a:ext>
+            </a:extLst>
+          </p:cNvPr>
+          <p:cNvPicPr>
+            <a:picLocks noChangeAspect="1"/>
           </p:cNvPicPr>
           <p:nvPr/>
         </p:nvPicPr>
         <p:blipFill>
-          <a:blip r:embed="rId3">
-            <a:extLst>
-              <a:ext uri="{28A0092B-C50C-407E-A947-70E740481C1C}">
-                <a14:useLocalDpi xmlns:a14="http://schemas.microsoft.com/office/drawing/2010/main" val="0"/>
-              </a:ext>
-            </a:extLst>
-          </a:blip>
+          <a:blip r:embed="rId3"/>
           <a:stretch>
             <a:fillRect/>
           </a:stretch>
         </p:blipFill>
-        <p:spPr bwMode="auto">
+        <p:spPr>
           <a:xfrm>
-            <a:off x="3808475" y="2326213"/>
-            <a:ext cx="1463784" cy="526961"/>
+            <a:off x="6414293" y="1475064"/>
+            <a:ext cx="1990725" cy="1028700"/>
           </a:xfrm>
           <a:prstGeom prst="rect">
             <a:avLst/>
           </a:prstGeom>
-          <a:noFill/>
-          <a:ln>
-            <a:noFill/>
-          </a:ln>
-          <a:extLst>
-            <a:ext uri="{909E8E84-426E-40DD-AFC4-6F175D3DCCD1}">
-              <a14:hiddenFill xmlns:a14="http://schemas.microsoft.com/office/drawing/2010/main">
-                <a:solidFill>
-                  <a:srgbClr val="FFFFFF"/>
-                </a:solidFill>
-              </a14:hiddenFill>
-            </a:ext>
-          </a:extLst>
         </p:spPr>
       </p:pic>
     </p:spTree>
     <p:extLst>
       <p:ext uri="{BB962C8B-B14F-4D97-AF65-F5344CB8AC3E}">
-        <p14:creationId xmlns:p14="http://schemas.microsoft.com/office/powerpoint/2010/main" val="109100692"/>
+        <p14:creationId xmlns:p14="http://schemas.microsoft.com/office/powerpoint/2010/main" val="3127688468"/>
+      </p:ext>
+    </p:extLst>
+  </p:cSld>
+  <p:clrMapOvr>
+    <a:masterClrMapping/>
+  </p:clrMapOvr>
+</p:sld>
+</file>
+
+<file path=ppt/slides/slide16.xml><?xml version="1.0" encoding="utf-8"?>
+<p:sld xmlns:a="http://schemas.openxmlformats.org/drawingml/2006/main" xmlns:r="http://schemas.openxmlformats.org/officeDocument/2006/relationships" xmlns:p="http://schemas.openxmlformats.org/presentationml/2006/main">
+  <p:cSld>
+    <p:spTree>
+      <p:nvGrpSpPr>
+        <p:cNvPr id="1" name=""/>
+        <p:cNvGrpSpPr/>
+        <p:nvPr/>
+      </p:nvGrpSpPr>
+      <p:grpSpPr>
+        <a:xfrm>
+          <a:off x="0" y="0"/>
+          <a:ext cx="0" cy="0"/>
+          <a:chOff x="0" y="0"/>
+          <a:chExt cx="0" cy="0"/>
+        </a:xfrm>
+      </p:grpSpPr>
+      <p:sp>
+        <p:nvSpPr>
+          <p:cNvPr id="4" name="Title 3"/>
+          <p:cNvSpPr>
+            <a:spLocks noGrp="1"/>
+          </p:cNvSpPr>
+          <p:nvPr>
+            <p:ph type="title"/>
+          </p:nvPr>
+        </p:nvSpPr>
+        <p:spPr/>
+        <p:txBody>
+          <a:bodyPr>
+            <a:normAutofit/>
+          </a:bodyPr>
+          <a:lstStyle/>
+          <a:p>
+            <a:r>
+              <a:rPr lang="en-US" dirty="0"/>
+              <a:t>Inheritance</a:t>
+            </a:r>
+          </a:p>
+        </p:txBody>
+      </p:sp>
+      <p:sp>
+        <p:nvSpPr>
+          <p:cNvPr id="5" name="Content Placeholder 4"/>
+          <p:cNvSpPr>
+            <a:spLocks noGrp="1"/>
+          </p:cNvSpPr>
+          <p:nvPr>
+            <p:ph idx="1"/>
+          </p:nvPr>
+        </p:nvSpPr>
+        <p:spPr/>
+        <p:txBody>
+          <a:bodyPr/>
+          <a:lstStyle/>
+          <a:p>
+            <a:r>
+              <a:rPr lang="en-US" dirty="0"/>
+              <a:t>Single</a:t>
+            </a:r>
+          </a:p>
+          <a:p>
+            <a:r>
+              <a:rPr lang="en-US" dirty="0"/>
+              <a:t>Multi-level</a:t>
+            </a:r>
+          </a:p>
+          <a:p>
+            <a:r>
+              <a:rPr lang="en-US" dirty="0"/>
+              <a:t>Hierarchical</a:t>
+            </a:r>
+          </a:p>
+          <a:p>
+            <a:r>
+              <a:rPr lang="en-US" dirty="0"/>
+              <a:t>Multiple</a:t>
+            </a:r>
+          </a:p>
+          <a:p>
+            <a:r>
+              <a:rPr lang="en-US" dirty="0"/>
+              <a:t>Hybrid</a:t>
+            </a:r>
+          </a:p>
+        </p:txBody>
+      </p:sp>
+    </p:spTree>
+    <p:extLst>
+      <p:ext uri="{BB962C8B-B14F-4D97-AF65-F5344CB8AC3E}">
+        <p14:creationId xmlns:p14="http://schemas.microsoft.com/office/powerpoint/2010/main" val="2375793548"/>
+      </p:ext>
+    </p:extLst>
+  </p:cSld>
+  <p:clrMapOvr>
+    <a:masterClrMapping/>
+  </p:clrMapOvr>
+</p:sld>
+</file>
+
+<file path=ppt/slides/slide17.xml><?xml version="1.0" encoding="utf-8"?>
+<p:sld xmlns:a="http://schemas.openxmlformats.org/drawingml/2006/main" xmlns:r="http://schemas.openxmlformats.org/officeDocument/2006/relationships" xmlns:p="http://schemas.openxmlformats.org/presentationml/2006/main">
+  <p:cSld>
+    <p:spTree>
+      <p:nvGrpSpPr>
+        <p:cNvPr id="1" name=""/>
+        <p:cNvGrpSpPr/>
+        <p:nvPr/>
+      </p:nvGrpSpPr>
+      <p:grpSpPr>
+        <a:xfrm>
+          <a:off x="0" y="0"/>
+          <a:ext cx="0" cy="0"/>
+          <a:chOff x="0" y="0"/>
+          <a:chExt cx="0" cy="0"/>
+        </a:xfrm>
+      </p:grpSpPr>
+      <p:sp>
+        <p:nvSpPr>
+          <p:cNvPr id="4" name="Title 3"/>
+          <p:cNvSpPr>
+            <a:spLocks noGrp="1"/>
+          </p:cNvSpPr>
+          <p:nvPr>
+            <p:ph type="title"/>
+          </p:nvPr>
+        </p:nvSpPr>
+        <p:spPr/>
+        <p:txBody>
+          <a:bodyPr>
+            <a:normAutofit/>
+          </a:bodyPr>
+          <a:lstStyle/>
+          <a:p>
+            <a:r>
+              <a:rPr lang="en-US" dirty="0"/>
+              <a:t>Single Inheritance</a:t>
+            </a:r>
+          </a:p>
+        </p:txBody>
+      </p:sp>
+      <p:pic>
+        <p:nvPicPr>
+          <p:cNvPr id="2" name="Content Placeholder 1">
+            <a:extLst>
+              <a:ext uri="{FF2B5EF4-FFF2-40B4-BE49-F238E27FC236}">
+                <a16:creationId xmlns:a16="http://schemas.microsoft.com/office/drawing/2014/main" id="{1BAB5DB7-803E-4E02-9D7E-F2BADF68C326}"/>
+              </a:ext>
+            </a:extLst>
+          </p:cNvPr>
+          <p:cNvPicPr>
+            <a:picLocks noGrp="1" noChangeAspect="1"/>
+          </p:cNvPicPr>
+          <p:nvPr>
+            <p:ph idx="1"/>
+          </p:nvPr>
+        </p:nvPicPr>
+        <p:blipFill>
+          <a:blip r:embed="rId2"/>
+          <a:stretch>
+            <a:fillRect/>
+          </a:stretch>
+        </p:blipFill>
+        <p:spPr>
+          <a:xfrm>
+            <a:off x="1734344" y="2187778"/>
+            <a:ext cx="1390650" cy="1809750"/>
+          </a:xfrm>
+          <a:prstGeom prst="rect">
+            <a:avLst/>
+          </a:prstGeom>
+        </p:spPr>
+      </p:pic>
+      <p:pic>
+        <p:nvPicPr>
+          <p:cNvPr id="3" name="Picture 2">
+            <a:extLst>
+              <a:ext uri="{FF2B5EF4-FFF2-40B4-BE49-F238E27FC236}">
+                <a16:creationId xmlns:a16="http://schemas.microsoft.com/office/drawing/2014/main" id="{9B61CCCD-BD68-40F1-80F5-16B4874D0A58}"/>
+              </a:ext>
+            </a:extLst>
+          </p:cNvPr>
+          <p:cNvPicPr>
+            <a:picLocks noChangeAspect="1"/>
+          </p:cNvPicPr>
+          <p:nvPr/>
+        </p:nvPicPr>
+        <p:blipFill>
+          <a:blip r:embed="rId3"/>
+          <a:stretch>
+            <a:fillRect/>
+          </a:stretch>
+        </p:blipFill>
+        <p:spPr>
+          <a:xfrm>
+            <a:off x="3412497" y="1716290"/>
+            <a:ext cx="5324475" cy="2752725"/>
+          </a:xfrm>
+          <a:prstGeom prst="rect">
+            <a:avLst/>
+          </a:prstGeom>
+        </p:spPr>
+      </p:pic>
+    </p:spTree>
+    <p:extLst>
+      <p:ext uri="{BB962C8B-B14F-4D97-AF65-F5344CB8AC3E}">
+        <p14:creationId xmlns:p14="http://schemas.microsoft.com/office/powerpoint/2010/main" val="2054430999"/>
+      </p:ext>
+    </p:extLst>
+  </p:cSld>
+  <p:clrMapOvr>
+    <a:masterClrMapping/>
+  </p:clrMapOvr>
+</p:sld>
+</file>
+
+<file path=ppt/slides/slide18.xml><?xml version="1.0" encoding="utf-8"?>
+<p:sld xmlns:a="http://schemas.openxmlformats.org/drawingml/2006/main" xmlns:r="http://schemas.openxmlformats.org/officeDocument/2006/relationships" xmlns:p="http://schemas.openxmlformats.org/presentationml/2006/main">
+  <p:cSld>
+    <p:spTree>
+      <p:nvGrpSpPr>
+        <p:cNvPr id="1" name=""/>
+        <p:cNvGrpSpPr/>
+        <p:nvPr/>
+      </p:nvGrpSpPr>
+      <p:grpSpPr>
+        <a:xfrm>
+          <a:off x="0" y="0"/>
+          <a:ext cx="0" cy="0"/>
+          <a:chOff x="0" y="0"/>
+          <a:chExt cx="0" cy="0"/>
+        </a:xfrm>
+      </p:grpSpPr>
+      <p:sp>
+        <p:nvSpPr>
+          <p:cNvPr id="4" name="Title 3"/>
+          <p:cNvSpPr>
+            <a:spLocks noGrp="1"/>
+          </p:cNvSpPr>
+          <p:nvPr>
+            <p:ph type="title"/>
+          </p:nvPr>
+        </p:nvSpPr>
+        <p:spPr/>
+        <p:txBody>
+          <a:bodyPr>
+            <a:normAutofit/>
+          </a:bodyPr>
+          <a:lstStyle/>
+          <a:p>
+            <a:r>
+              <a:rPr lang="en-US" dirty="0"/>
+              <a:t>Multi-level Inheritance</a:t>
+            </a:r>
+          </a:p>
+        </p:txBody>
+      </p:sp>
+      <p:pic>
+        <p:nvPicPr>
+          <p:cNvPr id="2" name="Content Placeholder 1">
+            <a:extLst>
+              <a:ext uri="{FF2B5EF4-FFF2-40B4-BE49-F238E27FC236}">
+                <a16:creationId xmlns:a16="http://schemas.microsoft.com/office/drawing/2014/main" id="{A79461A7-A035-41C1-AB33-447F607F4373}"/>
+              </a:ext>
+            </a:extLst>
+          </p:cNvPr>
+          <p:cNvPicPr>
+            <a:picLocks noGrp="1" noChangeAspect="1"/>
+          </p:cNvPicPr>
+          <p:nvPr>
+            <p:ph idx="1"/>
+          </p:nvPr>
+        </p:nvPicPr>
+        <p:blipFill>
+          <a:blip r:embed="rId2"/>
+          <a:stretch>
+            <a:fillRect/>
+          </a:stretch>
+        </p:blipFill>
+        <p:spPr>
+          <a:xfrm>
+            <a:off x="1734344" y="1822949"/>
+            <a:ext cx="1466850" cy="2667000"/>
+          </a:xfrm>
+          <a:prstGeom prst="rect">
+            <a:avLst/>
+          </a:prstGeom>
+        </p:spPr>
+      </p:pic>
+      <p:pic>
+        <p:nvPicPr>
+          <p:cNvPr id="3" name="Picture 2">
+            <a:extLst>
+              <a:ext uri="{FF2B5EF4-FFF2-40B4-BE49-F238E27FC236}">
+                <a16:creationId xmlns:a16="http://schemas.microsoft.com/office/drawing/2014/main" id="{71852A57-ADC6-49BA-B22F-C02E1C71D6B0}"/>
+              </a:ext>
+            </a:extLst>
+          </p:cNvPr>
+          <p:cNvPicPr>
+            <a:picLocks noChangeAspect="1"/>
+          </p:cNvPicPr>
+          <p:nvPr/>
+        </p:nvPicPr>
+        <p:blipFill>
+          <a:blip r:embed="rId3"/>
+          <a:stretch>
+            <a:fillRect/>
+          </a:stretch>
+        </p:blipFill>
+        <p:spPr>
+          <a:xfrm>
+            <a:off x="3352579" y="1227636"/>
+            <a:ext cx="5543550" cy="3857625"/>
+          </a:xfrm>
+          <a:prstGeom prst="rect">
+            <a:avLst/>
+          </a:prstGeom>
+        </p:spPr>
+      </p:pic>
+    </p:spTree>
+    <p:extLst>
+      <p:ext uri="{BB962C8B-B14F-4D97-AF65-F5344CB8AC3E}">
+        <p14:creationId xmlns:p14="http://schemas.microsoft.com/office/powerpoint/2010/main" val="1933500337"/>
+      </p:ext>
+    </p:extLst>
+  </p:cSld>
+  <p:clrMapOvr>
+    <a:masterClrMapping/>
+  </p:clrMapOvr>
+</p:sld>
+</file>
+
+<file path=ppt/slides/slide19.xml><?xml version="1.0" encoding="utf-8"?>
+<p:sld xmlns:a="http://schemas.openxmlformats.org/drawingml/2006/main" xmlns:r="http://schemas.openxmlformats.org/officeDocument/2006/relationships" xmlns:p="http://schemas.openxmlformats.org/presentationml/2006/main">
+  <p:cSld>
+    <p:spTree>
+      <p:nvGrpSpPr>
+        <p:cNvPr id="1" name=""/>
+        <p:cNvGrpSpPr/>
+        <p:nvPr/>
+      </p:nvGrpSpPr>
+      <p:grpSpPr>
+        <a:xfrm>
+          <a:off x="0" y="0"/>
+          <a:ext cx="0" cy="0"/>
+          <a:chOff x="0" y="0"/>
+          <a:chExt cx="0" cy="0"/>
+        </a:xfrm>
+      </p:grpSpPr>
+      <p:sp>
+        <p:nvSpPr>
+          <p:cNvPr id="4" name="Title 3"/>
+          <p:cNvSpPr>
+            <a:spLocks noGrp="1"/>
+          </p:cNvSpPr>
+          <p:nvPr>
+            <p:ph type="title"/>
+          </p:nvPr>
+        </p:nvSpPr>
+        <p:spPr/>
+        <p:txBody>
+          <a:bodyPr>
+            <a:normAutofit/>
+          </a:bodyPr>
+          <a:lstStyle/>
+          <a:p>
+            <a:r>
+              <a:rPr lang="en-US" dirty="0"/>
+              <a:t>Hierarchical Inheritance</a:t>
+            </a:r>
+          </a:p>
+        </p:txBody>
+      </p:sp>
+      <p:pic>
+        <p:nvPicPr>
+          <p:cNvPr id="2" name="Content Placeholder 1">
+            <a:extLst>
+              <a:ext uri="{FF2B5EF4-FFF2-40B4-BE49-F238E27FC236}">
+                <a16:creationId xmlns:a16="http://schemas.microsoft.com/office/drawing/2014/main" id="{A5D25F5D-EBAE-4CF0-BE62-24FF67484BED}"/>
+              </a:ext>
+            </a:extLst>
+          </p:cNvPr>
+          <p:cNvPicPr>
+            <a:picLocks noGrp="1" noChangeAspect="1"/>
+          </p:cNvPicPr>
+          <p:nvPr>
+            <p:ph idx="1"/>
+          </p:nvPr>
+        </p:nvPicPr>
+        <p:blipFill>
+          <a:blip r:embed="rId2"/>
+          <a:stretch>
+            <a:fillRect/>
+          </a:stretch>
+        </p:blipFill>
+        <p:spPr>
+          <a:xfrm>
+            <a:off x="1734344" y="2423919"/>
+            <a:ext cx="2509413" cy="1311064"/>
+          </a:xfrm>
+          <a:prstGeom prst="rect">
+            <a:avLst/>
+          </a:prstGeom>
+        </p:spPr>
+      </p:pic>
+      <p:pic>
+        <p:nvPicPr>
+          <p:cNvPr id="3" name="Picture 2">
+            <a:extLst>
+              <a:ext uri="{FF2B5EF4-FFF2-40B4-BE49-F238E27FC236}">
+                <a16:creationId xmlns:a16="http://schemas.microsoft.com/office/drawing/2014/main" id="{3898EA49-DD11-4BC9-883B-A8E8AC45D9C5}"/>
+              </a:ext>
+            </a:extLst>
+          </p:cNvPr>
+          <p:cNvPicPr>
+            <a:picLocks noChangeAspect="1"/>
+          </p:cNvPicPr>
+          <p:nvPr/>
+        </p:nvPicPr>
+        <p:blipFill>
+          <a:blip r:embed="rId3"/>
+          <a:stretch>
+            <a:fillRect/>
+          </a:stretch>
+        </p:blipFill>
+        <p:spPr>
+          <a:xfrm>
+            <a:off x="4395566" y="1520664"/>
+            <a:ext cx="4436546" cy="3117573"/>
+          </a:xfrm>
+          <a:prstGeom prst="rect">
+            <a:avLst/>
+          </a:prstGeom>
+        </p:spPr>
+      </p:pic>
+    </p:spTree>
+    <p:extLst>
+      <p:ext uri="{BB962C8B-B14F-4D97-AF65-F5344CB8AC3E}">
+        <p14:creationId xmlns:p14="http://schemas.microsoft.com/office/powerpoint/2010/main" val="4008069449"/>
       </p:ext>
     </p:extLst>
   </p:cSld>
@@ -4957,6 +5341,238 @@
     <p:extLst>
       <p:ext uri="{BB962C8B-B14F-4D97-AF65-F5344CB8AC3E}">
         <p14:creationId xmlns:p14="http://schemas.microsoft.com/office/powerpoint/2010/main" val="4103309497"/>
+      </p:ext>
+    </p:extLst>
+  </p:cSld>
+  <p:clrMapOvr>
+    <a:masterClrMapping/>
+  </p:clrMapOvr>
+</p:sld>
+</file>
+
+<file path=ppt/slides/slide20.xml><?xml version="1.0" encoding="utf-8"?>
+<p:sld xmlns:a="http://schemas.openxmlformats.org/drawingml/2006/main" xmlns:r="http://schemas.openxmlformats.org/officeDocument/2006/relationships" xmlns:p="http://schemas.openxmlformats.org/presentationml/2006/main">
+  <p:cSld>
+    <p:spTree>
+      <p:nvGrpSpPr>
+        <p:cNvPr id="1" name=""/>
+        <p:cNvGrpSpPr/>
+        <p:nvPr/>
+      </p:nvGrpSpPr>
+      <p:grpSpPr>
+        <a:xfrm>
+          <a:off x="0" y="0"/>
+          <a:ext cx="0" cy="0"/>
+          <a:chOff x="0" y="0"/>
+          <a:chExt cx="0" cy="0"/>
+        </a:xfrm>
+      </p:grpSpPr>
+      <p:sp>
+        <p:nvSpPr>
+          <p:cNvPr id="4" name="Title 3"/>
+          <p:cNvSpPr>
+            <a:spLocks noGrp="1"/>
+          </p:cNvSpPr>
+          <p:nvPr>
+            <p:ph type="title"/>
+          </p:nvPr>
+        </p:nvSpPr>
+        <p:spPr/>
+        <p:txBody>
+          <a:bodyPr>
+            <a:normAutofit/>
+          </a:bodyPr>
+          <a:lstStyle/>
+          <a:p>
+            <a:r>
+              <a:rPr lang="en-US" dirty="0"/>
+              <a:t>Multiple Inheritance</a:t>
+            </a:r>
+          </a:p>
+        </p:txBody>
+      </p:sp>
+      <p:pic>
+        <p:nvPicPr>
+          <p:cNvPr id="2" name="Content Placeholder 1">
+            <a:extLst>
+              <a:ext uri="{FF2B5EF4-FFF2-40B4-BE49-F238E27FC236}">
+                <a16:creationId xmlns:a16="http://schemas.microsoft.com/office/drawing/2014/main" id="{C0F1DFF9-2886-4A6E-9F4B-17F2C9948A87}"/>
+              </a:ext>
+            </a:extLst>
+          </p:cNvPr>
+          <p:cNvPicPr>
+            <a:picLocks noGrp="1" noChangeAspect="1"/>
+          </p:cNvPicPr>
+          <p:nvPr>
+            <p:ph idx="1"/>
+          </p:nvPr>
+        </p:nvPicPr>
+        <p:blipFill>
+          <a:blip r:embed="rId2"/>
+          <a:stretch>
+            <a:fillRect/>
+          </a:stretch>
+        </p:blipFill>
+        <p:spPr>
+          <a:xfrm>
+            <a:off x="1734344" y="2477294"/>
+            <a:ext cx="2487299" cy="1364603"/>
+          </a:xfrm>
+          <a:prstGeom prst="rect">
+            <a:avLst/>
+          </a:prstGeom>
+        </p:spPr>
+      </p:pic>
+      <p:pic>
+        <p:nvPicPr>
+          <p:cNvPr id="3" name="Picture 2">
+            <a:extLst>
+              <a:ext uri="{FF2B5EF4-FFF2-40B4-BE49-F238E27FC236}">
+                <a16:creationId xmlns:a16="http://schemas.microsoft.com/office/drawing/2014/main" id="{4DE90CBC-EE37-4BEB-BFCB-88847A3C671C}"/>
+              </a:ext>
+            </a:extLst>
+          </p:cNvPr>
+          <p:cNvPicPr>
+            <a:picLocks noChangeAspect="1"/>
+          </p:cNvPicPr>
+          <p:nvPr/>
+        </p:nvPicPr>
+        <p:blipFill>
+          <a:blip r:embed="rId3"/>
+          <a:stretch>
+            <a:fillRect/>
+          </a:stretch>
+        </p:blipFill>
+        <p:spPr>
+          <a:xfrm>
+            <a:off x="4391025" y="1646069"/>
+            <a:ext cx="4398556" cy="3027051"/>
+          </a:xfrm>
+          <a:prstGeom prst="rect">
+            <a:avLst/>
+          </a:prstGeom>
+        </p:spPr>
+      </p:pic>
+    </p:spTree>
+    <p:extLst>
+      <p:ext uri="{BB962C8B-B14F-4D97-AF65-F5344CB8AC3E}">
+        <p14:creationId xmlns:p14="http://schemas.microsoft.com/office/powerpoint/2010/main" val="2121831971"/>
+      </p:ext>
+    </p:extLst>
+  </p:cSld>
+  <p:clrMapOvr>
+    <a:masterClrMapping/>
+  </p:clrMapOvr>
+</p:sld>
+</file>
+
+<file path=ppt/slides/slide21.xml><?xml version="1.0" encoding="utf-8"?>
+<p:sld xmlns:a="http://schemas.openxmlformats.org/drawingml/2006/main" xmlns:r="http://schemas.openxmlformats.org/officeDocument/2006/relationships" xmlns:p="http://schemas.openxmlformats.org/presentationml/2006/main">
+  <p:cSld>
+    <p:spTree>
+      <p:nvGrpSpPr>
+        <p:cNvPr id="1" name=""/>
+        <p:cNvGrpSpPr/>
+        <p:nvPr/>
+      </p:nvGrpSpPr>
+      <p:grpSpPr>
+        <a:xfrm>
+          <a:off x="0" y="0"/>
+          <a:ext cx="0" cy="0"/>
+          <a:chOff x="0" y="0"/>
+          <a:chExt cx="0" cy="0"/>
+        </a:xfrm>
+      </p:grpSpPr>
+      <p:sp>
+        <p:nvSpPr>
+          <p:cNvPr id="4" name="Title 3"/>
+          <p:cNvSpPr>
+            <a:spLocks noGrp="1"/>
+          </p:cNvSpPr>
+          <p:nvPr>
+            <p:ph type="title"/>
+          </p:nvPr>
+        </p:nvSpPr>
+        <p:spPr/>
+        <p:txBody>
+          <a:bodyPr>
+            <a:normAutofit/>
+          </a:bodyPr>
+          <a:lstStyle/>
+          <a:p>
+            <a:r>
+              <a:rPr lang="en-US" dirty="0"/>
+              <a:t>Hybrid Inheritance</a:t>
+            </a:r>
+          </a:p>
+        </p:txBody>
+      </p:sp>
+      <p:pic>
+        <p:nvPicPr>
+          <p:cNvPr id="2" name="Content Placeholder 1">
+            <a:extLst>
+              <a:ext uri="{FF2B5EF4-FFF2-40B4-BE49-F238E27FC236}">
+                <a16:creationId xmlns:a16="http://schemas.microsoft.com/office/drawing/2014/main" id="{1EED5A3A-719E-429D-9D27-55B94E0D57D0}"/>
+              </a:ext>
+            </a:extLst>
+          </p:cNvPr>
+          <p:cNvPicPr>
+            <a:picLocks noGrp="1" noChangeAspect="1"/>
+          </p:cNvPicPr>
+          <p:nvPr>
+            <p:ph idx="1"/>
+          </p:nvPr>
+        </p:nvPicPr>
+        <p:blipFill>
+          <a:blip r:embed="rId2"/>
+          <a:stretch>
+            <a:fillRect/>
+          </a:stretch>
+        </p:blipFill>
+        <p:spPr>
+          <a:xfrm>
+            <a:off x="1734344" y="2150067"/>
+            <a:ext cx="2324560" cy="1920041"/>
+          </a:xfrm>
+          <a:prstGeom prst="rect">
+            <a:avLst/>
+          </a:prstGeom>
+        </p:spPr>
+      </p:pic>
+      <p:pic>
+        <p:nvPicPr>
+          <p:cNvPr id="3" name="Picture 2">
+            <a:extLst>
+              <a:ext uri="{FF2B5EF4-FFF2-40B4-BE49-F238E27FC236}">
+                <a16:creationId xmlns:a16="http://schemas.microsoft.com/office/drawing/2014/main" id="{A4929EA0-FC0B-454C-8CCB-E3FB43233AB3}"/>
+              </a:ext>
+            </a:extLst>
+          </p:cNvPr>
+          <p:cNvPicPr>
+            <a:picLocks noChangeAspect="1"/>
+          </p:cNvPicPr>
+          <p:nvPr/>
+        </p:nvPicPr>
+        <p:blipFill>
+          <a:blip r:embed="rId3"/>
+          <a:stretch>
+            <a:fillRect/>
+          </a:stretch>
+        </p:blipFill>
+        <p:spPr>
+          <a:xfrm>
+            <a:off x="4648709" y="1131886"/>
+            <a:ext cx="3949487" cy="3956404"/>
+          </a:xfrm>
+          <a:prstGeom prst="rect">
+            <a:avLst/>
+          </a:prstGeom>
+        </p:spPr>
+      </p:pic>
+    </p:spTree>
+    <p:extLst>
+      <p:ext uri="{BB962C8B-B14F-4D97-AF65-F5344CB8AC3E}">
+        <p14:creationId xmlns:p14="http://schemas.microsoft.com/office/powerpoint/2010/main" val="1319163492"/>
       </p:ext>
     </p:extLst>
   </p:cSld>
